--- a/astronomy/geocentric/geocentric.pptx
+++ b/astronomy/geocentric/geocentric.pptx
@@ -6,13 +6,14 @@
   </p:sldMasterIdLst>
   <p:sldIdLst>
     <p:sldId id="262" r:id="rId2"/>
-    <p:sldId id="258" r:id="rId3"/>
-    <p:sldId id="260" r:id="rId4"/>
-    <p:sldId id="261" r:id="rId5"/>
-    <p:sldId id="256" r:id="rId6"/>
-    <p:sldId id="263" r:id="rId7"/>
-    <p:sldId id="264" r:id="rId8"/>
-    <p:sldId id="265" r:id="rId9"/>
+    <p:sldId id="266" r:id="rId3"/>
+    <p:sldId id="258" r:id="rId4"/>
+    <p:sldId id="260" r:id="rId5"/>
+    <p:sldId id="261" r:id="rId6"/>
+    <p:sldId id="256" r:id="rId7"/>
+    <p:sldId id="263" r:id="rId8"/>
+    <p:sldId id="264" r:id="rId9"/>
+    <p:sldId id="265" r:id="rId10"/>
   </p:sldIdLst>
   <p:sldSz cx="9144000" cy="5143500" type="screen16x9"/>
   <p:notesSz cx="6858000" cy="9144000"/>
@@ -310,7 +311,7 @@
             <a:fld id="{1D8BD707-D9CF-40AE-B4C6-C98DA3205C09}" type="datetimeFigureOut">
               <a:rPr lang="en-US" smtClean="0"/>
               <a:pPr/>
-              <a:t>12/16/2019</a:t>
+              <a:t>13-Jul-20</a:t>
             </a:fld>
             <a:endParaRPr lang="en-US"/>
           </a:p>
@@ -475,7 +476,7 @@
             <a:fld id="{1D8BD707-D9CF-40AE-B4C6-C98DA3205C09}" type="datetimeFigureOut">
               <a:rPr lang="en-US" smtClean="0"/>
               <a:pPr/>
-              <a:t>12/16/2019</a:t>
+              <a:t>13-Jul-20</a:t>
             </a:fld>
             <a:endParaRPr lang="en-US"/>
           </a:p>
@@ -650,7 +651,7 @@
             <a:fld id="{1D8BD707-D9CF-40AE-B4C6-C98DA3205C09}" type="datetimeFigureOut">
               <a:rPr lang="en-US" smtClean="0"/>
               <a:pPr/>
-              <a:t>12/16/2019</a:t>
+              <a:t>13-Jul-20</a:t>
             </a:fld>
             <a:endParaRPr lang="en-US"/>
           </a:p>
@@ -815,7 +816,7 @@
             <a:fld id="{1D8BD707-D9CF-40AE-B4C6-C98DA3205C09}" type="datetimeFigureOut">
               <a:rPr lang="en-US" smtClean="0"/>
               <a:pPr/>
-              <a:t>12/16/2019</a:t>
+              <a:t>13-Jul-20</a:t>
             </a:fld>
             <a:endParaRPr lang="en-US"/>
           </a:p>
@@ -1057,7 +1058,7 @@
             <a:fld id="{1D8BD707-D9CF-40AE-B4C6-C98DA3205C09}" type="datetimeFigureOut">
               <a:rPr lang="en-US" smtClean="0"/>
               <a:pPr/>
-              <a:t>12/16/2019</a:t>
+              <a:t>13-Jul-20</a:t>
             </a:fld>
             <a:endParaRPr lang="en-US"/>
           </a:p>
@@ -1339,7 +1340,7 @@
             <a:fld id="{1D8BD707-D9CF-40AE-B4C6-C98DA3205C09}" type="datetimeFigureOut">
               <a:rPr lang="en-US" smtClean="0"/>
               <a:pPr/>
-              <a:t>12/16/2019</a:t>
+              <a:t>13-Jul-20</a:t>
             </a:fld>
             <a:endParaRPr lang="en-US"/>
           </a:p>
@@ -1755,7 +1756,7 @@
             <a:fld id="{1D8BD707-D9CF-40AE-B4C6-C98DA3205C09}" type="datetimeFigureOut">
               <a:rPr lang="en-US" smtClean="0"/>
               <a:pPr/>
-              <a:t>12/16/2019</a:t>
+              <a:t>13-Jul-20</a:t>
             </a:fld>
             <a:endParaRPr lang="en-US"/>
           </a:p>
@@ -1869,7 +1870,7 @@
             <a:fld id="{1D8BD707-D9CF-40AE-B4C6-C98DA3205C09}" type="datetimeFigureOut">
               <a:rPr lang="en-US" smtClean="0"/>
               <a:pPr/>
-              <a:t>12/16/2019</a:t>
+              <a:t>13-Jul-20</a:t>
             </a:fld>
             <a:endParaRPr lang="en-US"/>
           </a:p>
@@ -1961,7 +1962,7 @@
             <a:fld id="{1D8BD707-D9CF-40AE-B4C6-C98DA3205C09}" type="datetimeFigureOut">
               <a:rPr lang="en-US" smtClean="0"/>
               <a:pPr/>
-              <a:t>12/16/2019</a:t>
+              <a:t>13-Jul-20</a:t>
             </a:fld>
             <a:endParaRPr lang="en-US"/>
           </a:p>
@@ -2233,7 +2234,7 @@
             <a:fld id="{1D8BD707-D9CF-40AE-B4C6-C98DA3205C09}" type="datetimeFigureOut">
               <a:rPr lang="en-US" smtClean="0"/>
               <a:pPr/>
-              <a:t>12/16/2019</a:t>
+              <a:t>13-Jul-20</a:t>
             </a:fld>
             <a:endParaRPr lang="en-US"/>
           </a:p>
@@ -2482,7 +2483,7 @@
             <a:fld id="{1D8BD707-D9CF-40AE-B4C6-C98DA3205C09}" type="datetimeFigureOut">
               <a:rPr lang="en-US" smtClean="0"/>
               <a:pPr/>
-              <a:t>12/16/2019</a:t>
+              <a:t>13-Jul-20</a:t>
             </a:fld>
             <a:endParaRPr lang="en-US"/>
           </a:p>
@@ -2690,7 +2691,7 @@
             <a:fld id="{1D8BD707-D9CF-40AE-B4C6-C98DA3205C09}" type="datetimeFigureOut">
               <a:rPr lang="en-US" smtClean="0"/>
               <a:pPr/>
-              <a:t>12/16/2019</a:t>
+              <a:t>13-Jul-20</a:t>
             </a:fld>
             <a:endParaRPr lang="en-US"/>
           </a:p>
@@ -3715,6 +3716,554 @@
 <file path=ppt/slides/slide2.xml><?xml version="1.0" encoding="utf-8"?>
 <p:sld xmlns:a="http://schemas.openxmlformats.org/drawingml/2006/main" xmlns:r="http://schemas.openxmlformats.org/officeDocument/2006/relationships" xmlns:p="http://schemas.openxmlformats.org/presentationml/2006/main">
   <p:cSld>
+    <p:bg>
+      <p:bgPr>
+        <a:solidFill>
+          <a:srgbClr val="FFFFCC"/>
+        </a:solidFill>
+        <a:effectLst/>
+      </p:bgPr>
+    </p:bg>
+    <p:spTree>
+      <p:nvGrpSpPr>
+        <p:cNvPr id="1" name=""/>
+        <p:cNvGrpSpPr/>
+        <p:nvPr/>
+      </p:nvGrpSpPr>
+      <p:grpSpPr>
+        <a:xfrm>
+          <a:off x="0" y="0"/>
+          <a:ext cx="0" cy="0"/>
+          <a:chOff x="0" y="0"/>
+          <a:chExt cx="0" cy="0"/>
+        </a:xfrm>
+      </p:grpSpPr>
+      <p:sp>
+        <p:nvSpPr>
+          <p:cNvPr id="4" name="Oval 3"/>
+          <p:cNvSpPr/>
+          <p:nvPr/>
+        </p:nvSpPr>
+        <p:spPr>
+          <a:xfrm>
+            <a:off x="503619" y="102870"/>
+            <a:ext cx="4937760" cy="4937760"/>
+          </a:xfrm>
+          <a:prstGeom prst="ellipse">
+            <a:avLst/>
+          </a:prstGeom>
+          <a:gradFill flip="none" rotWithShape="1">
+            <a:gsLst>
+              <a:gs pos="54000">
+                <a:schemeClr val="bg1"/>
+              </a:gs>
+              <a:gs pos="100000">
+                <a:schemeClr val="accent1">
+                  <a:lumMod val="40000"/>
+                  <a:lumOff val="60000"/>
+                </a:schemeClr>
+              </a:gs>
+            </a:gsLst>
+            <a:path path="circle">
+              <a:fillToRect l="50000" t="50000" r="50000" b="50000"/>
+            </a:path>
+            <a:tileRect/>
+          </a:gradFill>
+          <a:ln>
+            <a:solidFill>
+              <a:schemeClr val="tx2">
+                <a:lumMod val="60000"/>
+                <a:lumOff val="40000"/>
+              </a:schemeClr>
+            </a:solidFill>
+          </a:ln>
+          <a:effectLst/>
+        </p:spPr>
+        <p:style>
+          <a:lnRef idx="2">
+            <a:schemeClr val="accent1">
+              <a:shade val="50000"/>
+            </a:schemeClr>
+          </a:lnRef>
+          <a:fillRef idx="1">
+            <a:schemeClr val="accent1"/>
+          </a:fillRef>
+          <a:effectRef idx="0">
+            <a:schemeClr val="accent1"/>
+          </a:effectRef>
+          <a:fontRef idx="minor">
+            <a:schemeClr val="lt1"/>
+          </a:fontRef>
+        </p:style>
+        <p:txBody>
+          <a:bodyPr rtlCol="0" anchor="ctr"/>
+          <a:lstStyle/>
+          <a:p>
+            <a:pPr algn="ctr"/>
+            <a:endParaRPr lang="en-US"/>
+          </a:p>
+        </p:txBody>
+      </p:sp>
+      <p:cxnSp>
+        <p:nvCxnSpPr>
+          <p:cNvPr id="12" name="Straight Connector 11"/>
+          <p:cNvCxnSpPr>
+            <a:endCxn id="17" idx="0"/>
+          </p:cNvCxnSpPr>
+          <p:nvPr/>
+        </p:nvCxnSpPr>
+        <p:spPr>
+          <a:xfrm flipV="1">
+            <a:off x="2541880" y="2341116"/>
+            <a:ext cx="569698" cy="931117"/>
+          </a:xfrm>
+          <a:prstGeom prst="line">
+            <a:avLst/>
+          </a:prstGeom>
+          <a:ln w="19050">
+            <a:solidFill>
+              <a:schemeClr val="bg1">
+                <a:lumMod val="50000"/>
+              </a:schemeClr>
+            </a:solidFill>
+          </a:ln>
+        </p:spPr>
+        <p:style>
+          <a:lnRef idx="1">
+            <a:schemeClr val="accent1"/>
+          </a:lnRef>
+          <a:fillRef idx="0">
+            <a:schemeClr val="accent1"/>
+          </a:fillRef>
+          <a:effectRef idx="0">
+            <a:schemeClr val="accent1"/>
+          </a:effectRef>
+          <a:fontRef idx="minor">
+            <a:schemeClr val="tx1"/>
+          </a:fontRef>
+        </p:style>
+      </p:cxnSp>
+      <p:sp>
+        <p:nvSpPr>
+          <p:cNvPr id="6" name="Oval 5"/>
+          <p:cNvSpPr/>
+          <p:nvPr/>
+        </p:nvSpPr>
+        <p:spPr>
+          <a:xfrm>
+            <a:off x="2423859" y="2023110"/>
+            <a:ext cx="1097280" cy="1097280"/>
+          </a:xfrm>
+          <a:prstGeom prst="ellipse">
+            <a:avLst/>
+          </a:prstGeom>
+          <a:solidFill>
+            <a:schemeClr val="accent1">
+              <a:lumMod val="40000"/>
+              <a:lumOff val="60000"/>
+            </a:schemeClr>
+          </a:solidFill>
+        </p:spPr>
+        <p:style>
+          <a:lnRef idx="2">
+            <a:schemeClr val="accent1">
+              <a:shade val="50000"/>
+            </a:schemeClr>
+          </a:lnRef>
+          <a:fillRef idx="1">
+            <a:schemeClr val="accent1"/>
+          </a:fillRef>
+          <a:effectRef idx="0">
+            <a:schemeClr val="accent1"/>
+          </a:effectRef>
+          <a:fontRef idx="minor">
+            <a:schemeClr val="lt1"/>
+          </a:fontRef>
+        </p:style>
+        <p:txBody>
+          <a:bodyPr rtlCol="0" anchor="ctr"/>
+          <a:lstStyle/>
+          <a:p>
+            <a:pPr algn="ctr"/>
+            <a:endParaRPr lang="en-US"/>
+          </a:p>
+        </p:txBody>
+      </p:sp>
+      <p:sp>
+        <p:nvSpPr>
+          <p:cNvPr id="17" name="Oval 16"/>
+          <p:cNvSpPr/>
+          <p:nvPr/>
+        </p:nvSpPr>
+        <p:spPr>
+          <a:xfrm rot="1865464">
+            <a:off x="2433003" y="2302427"/>
+            <a:ext cx="1078992" cy="538647"/>
+          </a:xfrm>
+          <a:prstGeom prst="ellipse">
+            <a:avLst/>
+          </a:prstGeom>
+          <a:noFill/>
+          <a:ln>
+            <a:gradFill>
+              <a:gsLst>
+                <a:gs pos="100000">
+                  <a:schemeClr val="tx1">
+                    <a:lumMod val="65000"/>
+                    <a:lumOff val="35000"/>
+                  </a:schemeClr>
+                </a:gs>
+                <a:gs pos="48000">
+                  <a:schemeClr val="tx1">
+                    <a:lumMod val="65000"/>
+                    <a:lumOff val="35000"/>
+                  </a:schemeClr>
+                </a:gs>
+                <a:gs pos="47000">
+                  <a:schemeClr val="accent1">
+                    <a:lumMod val="40000"/>
+                    <a:lumOff val="60000"/>
+                  </a:schemeClr>
+                </a:gs>
+              </a:gsLst>
+              <a:lin ang="5400000" scaled="0"/>
+            </a:gradFill>
+          </a:ln>
+        </p:spPr>
+        <p:style>
+          <a:lnRef idx="2">
+            <a:schemeClr val="accent1">
+              <a:shade val="50000"/>
+            </a:schemeClr>
+          </a:lnRef>
+          <a:fillRef idx="1">
+            <a:schemeClr val="accent1"/>
+          </a:fillRef>
+          <a:effectRef idx="0">
+            <a:schemeClr val="accent1"/>
+          </a:effectRef>
+          <a:fontRef idx="minor">
+            <a:schemeClr val="lt1"/>
+          </a:fontRef>
+        </p:style>
+        <p:txBody>
+          <a:bodyPr rtlCol="0" anchor="ctr"/>
+          <a:lstStyle/>
+          <a:p>
+            <a:pPr algn="ctr"/>
+            <a:endParaRPr lang="en-US"/>
+          </a:p>
+        </p:txBody>
+      </p:sp>
+      <p:sp>
+        <p:nvSpPr>
+          <p:cNvPr id="18" name="Oval 17"/>
+          <p:cNvSpPr/>
+          <p:nvPr/>
+        </p:nvSpPr>
+        <p:spPr>
+          <a:xfrm rot="1423716">
+            <a:off x="519636" y="1711930"/>
+            <a:ext cx="4905726" cy="1719640"/>
+          </a:xfrm>
+          <a:prstGeom prst="ellipse">
+            <a:avLst/>
+          </a:prstGeom>
+          <a:noFill/>
+          <a:ln>
+            <a:gradFill>
+              <a:gsLst>
+                <a:gs pos="100000">
+                  <a:schemeClr val="accent1">
+                    <a:lumMod val="75000"/>
+                  </a:schemeClr>
+                </a:gs>
+                <a:gs pos="0">
+                  <a:schemeClr val="accent1">
+                    <a:lumMod val="50000"/>
+                  </a:schemeClr>
+                </a:gs>
+              </a:gsLst>
+              <a:lin ang="5400000" scaled="0"/>
+            </a:gradFill>
+          </a:ln>
+        </p:spPr>
+        <p:style>
+          <a:lnRef idx="2">
+            <a:schemeClr val="accent1">
+              <a:shade val="50000"/>
+            </a:schemeClr>
+          </a:lnRef>
+          <a:fillRef idx="1">
+            <a:schemeClr val="accent1"/>
+          </a:fillRef>
+          <a:effectRef idx="0">
+            <a:schemeClr val="accent1"/>
+          </a:effectRef>
+          <a:fontRef idx="minor">
+            <a:schemeClr val="lt1"/>
+          </a:fontRef>
+        </p:style>
+        <p:txBody>
+          <a:bodyPr rtlCol="0" anchor="ctr"/>
+          <a:lstStyle/>
+          <a:p>
+            <a:pPr algn="ctr"/>
+            <a:endParaRPr lang="en-US"/>
+          </a:p>
+        </p:txBody>
+      </p:sp>
+      <p:sp>
+        <p:nvSpPr>
+          <p:cNvPr id="33" name="TextBox 32"/>
+          <p:cNvSpPr txBox="1"/>
+          <p:nvPr/>
+        </p:nvSpPr>
+        <p:spPr>
+          <a:xfrm>
+            <a:off x="3310010" y="2038438"/>
+            <a:ext cx="422258" cy="400110"/>
+          </a:xfrm>
+          <a:prstGeom prst="rect">
+            <a:avLst/>
+          </a:prstGeom>
+          <a:noFill/>
+        </p:spPr>
+        <p:txBody>
+          <a:bodyPr wrap="square" rtlCol="0">
+            <a:spAutoFit/>
+          </a:bodyPr>
+          <a:lstStyle/>
+          <a:p>
+            <a:pPr algn="r"/>
+            <a:r>
+              <a:rPr lang="en-US" sz="2000" b="1" dirty="0">
+                <a:solidFill>
+                  <a:schemeClr val="tx1">
+                    <a:lumMod val="95000"/>
+                  </a:schemeClr>
+                </a:solidFill>
+              </a:rPr>
+              <a:t>N</a:t>
+            </a:r>
+          </a:p>
+        </p:txBody>
+      </p:sp>
+      <p:sp>
+        <p:nvSpPr>
+          <p:cNvPr id="34" name="TextBox 33"/>
+          <p:cNvSpPr txBox="1"/>
+          <p:nvPr/>
+        </p:nvSpPr>
+        <p:spPr>
+          <a:xfrm>
+            <a:off x="2121659" y="2720280"/>
+            <a:ext cx="422258" cy="400110"/>
+          </a:xfrm>
+          <a:prstGeom prst="rect">
+            <a:avLst/>
+          </a:prstGeom>
+          <a:noFill/>
+        </p:spPr>
+        <p:txBody>
+          <a:bodyPr wrap="square" rtlCol="0">
+            <a:spAutoFit/>
+          </a:bodyPr>
+          <a:lstStyle/>
+          <a:p>
+            <a:pPr algn="r"/>
+            <a:r>
+              <a:rPr lang="en-US" sz="2000" b="1" dirty="0">
+                <a:solidFill>
+                  <a:schemeClr val="tx1">
+                    <a:lumMod val="95000"/>
+                  </a:schemeClr>
+                </a:solidFill>
+              </a:rPr>
+              <a:t>S</a:t>
+            </a:r>
+          </a:p>
+        </p:txBody>
+      </p:sp>
+      <p:sp>
+        <p:nvSpPr>
+          <p:cNvPr id="5" name="Oval 4"/>
+          <p:cNvSpPr/>
+          <p:nvPr/>
+        </p:nvSpPr>
+        <p:spPr>
+          <a:xfrm>
+            <a:off x="503619" y="1977390"/>
+            <a:ext cx="4937760" cy="1188720"/>
+          </a:xfrm>
+          <a:prstGeom prst="ellipse">
+            <a:avLst/>
+          </a:prstGeom>
+          <a:noFill/>
+          <a:ln>
+            <a:gradFill>
+              <a:gsLst>
+                <a:gs pos="0">
+                  <a:schemeClr val="accent2">
+                    <a:lumMod val="75000"/>
+                  </a:schemeClr>
+                </a:gs>
+                <a:gs pos="100000">
+                  <a:schemeClr val="accent2">
+                    <a:lumMod val="98000"/>
+                  </a:schemeClr>
+                </a:gs>
+              </a:gsLst>
+              <a:lin ang="5400000" scaled="0"/>
+            </a:gradFill>
+            <a:prstDash val="sysDash"/>
+          </a:ln>
+        </p:spPr>
+        <p:style>
+          <a:lnRef idx="2">
+            <a:schemeClr val="accent1">
+              <a:shade val="50000"/>
+            </a:schemeClr>
+          </a:lnRef>
+          <a:fillRef idx="1">
+            <a:schemeClr val="accent1"/>
+          </a:fillRef>
+          <a:effectRef idx="0">
+            <a:schemeClr val="accent1"/>
+          </a:effectRef>
+          <a:fontRef idx="minor">
+            <a:schemeClr val="lt1"/>
+          </a:fontRef>
+        </p:style>
+        <p:txBody>
+          <a:bodyPr rtlCol="0" anchor="ctr"/>
+          <a:lstStyle/>
+          <a:p>
+            <a:pPr algn="ctr"/>
+            <a:endParaRPr lang="en-US"/>
+          </a:p>
+        </p:txBody>
+      </p:sp>
+      <p:cxnSp>
+        <p:nvCxnSpPr>
+          <p:cNvPr id="8" name="Straight Connector 7"/>
+          <p:cNvCxnSpPr/>
+          <p:nvPr/>
+        </p:nvCxnSpPr>
+        <p:spPr>
+          <a:xfrm flipV="1">
+            <a:off x="2972499" y="285750"/>
+            <a:ext cx="1371600" cy="2286000"/>
+          </a:xfrm>
+          <a:prstGeom prst="line">
+            <a:avLst/>
+          </a:prstGeom>
+          <a:ln w="19050">
+            <a:gradFill>
+              <a:gsLst>
+                <a:gs pos="71000">
+                  <a:schemeClr val="tx1">
+                    <a:lumMod val="50000"/>
+                    <a:lumOff val="50000"/>
+                  </a:schemeClr>
+                </a:gs>
+                <a:gs pos="69000">
+                  <a:schemeClr val="bg1">
+                    <a:lumMod val="75000"/>
+                  </a:schemeClr>
+                </a:gs>
+                <a:gs pos="0">
+                  <a:schemeClr val="tx1">
+                    <a:lumMod val="50000"/>
+                    <a:lumOff val="50000"/>
+                  </a:schemeClr>
+                </a:gs>
+              </a:gsLst>
+              <a:lin ang="5400000" scaled="0"/>
+            </a:gradFill>
+          </a:ln>
+        </p:spPr>
+        <p:style>
+          <a:lnRef idx="1">
+            <a:schemeClr val="accent1"/>
+          </a:lnRef>
+          <a:fillRef idx="0">
+            <a:schemeClr val="accent1"/>
+          </a:fillRef>
+          <a:effectRef idx="0">
+            <a:schemeClr val="accent1"/>
+          </a:effectRef>
+          <a:fontRef idx="minor">
+            <a:schemeClr val="tx1"/>
+          </a:fontRef>
+        </p:style>
+      </p:cxnSp>
+      <p:sp>
+        <p:nvSpPr>
+          <p:cNvPr id="2" name="Oval 1">
+            <a:extLst>
+              <a:ext uri="{FF2B5EF4-FFF2-40B4-BE49-F238E27FC236}">
+                <a16:creationId xmlns:a16="http://schemas.microsoft.com/office/drawing/2014/main" id="{15D407C8-E352-49B7-AFD3-AC1F4026216C}"/>
+              </a:ext>
+            </a:extLst>
+          </p:cNvPr>
+          <p:cNvSpPr/>
+          <p:nvPr/>
+        </p:nvSpPr>
+        <p:spPr>
+          <a:xfrm>
+            <a:off x="2022172" y="589986"/>
+            <a:ext cx="1900653" cy="749516"/>
+          </a:xfrm>
+          <a:prstGeom prst="ellipse">
+            <a:avLst/>
+          </a:prstGeom>
+          <a:noFill/>
+          <a:ln>
+            <a:prstDash val="sysDash"/>
+          </a:ln>
+        </p:spPr>
+        <p:style>
+          <a:lnRef idx="2">
+            <a:schemeClr val="accent1">
+              <a:shade val="50000"/>
+            </a:schemeClr>
+          </a:lnRef>
+          <a:fillRef idx="1">
+            <a:schemeClr val="accent1"/>
+          </a:fillRef>
+          <a:effectRef idx="0">
+            <a:schemeClr val="accent1"/>
+          </a:effectRef>
+          <a:fontRef idx="minor">
+            <a:schemeClr val="lt1"/>
+          </a:fontRef>
+        </p:style>
+        <p:txBody>
+          <a:bodyPr rtlCol="0" anchor="ctr"/>
+          <a:lstStyle/>
+          <a:p>
+            <a:pPr algn="ctr"/>
+            <a:endParaRPr lang="en-US"/>
+          </a:p>
+        </p:txBody>
+      </p:sp>
+    </p:spTree>
+    <p:extLst>
+      <p:ext uri="{BB962C8B-B14F-4D97-AF65-F5344CB8AC3E}">
+        <p14:creationId xmlns:p14="http://schemas.microsoft.com/office/powerpoint/2010/main" val="2264676767"/>
+      </p:ext>
+    </p:extLst>
+  </p:cSld>
+  <p:clrMapOvr>
+    <a:masterClrMapping/>
+  </p:clrMapOvr>
+</p:sld>
+</file>
+
+<file path=ppt/slides/slide3.xml><?xml version="1.0" encoding="utf-8"?>
+<p:sld xmlns:a="http://schemas.openxmlformats.org/drawingml/2006/main" xmlns:r="http://schemas.openxmlformats.org/officeDocument/2006/relationships" xmlns:p="http://schemas.openxmlformats.org/presentationml/2006/main">
+  <p:cSld>
     <p:spTree>
       <p:nvGrpSpPr>
         <p:cNvPr id="1" name=""/>
@@ -5018,7 +5567,7 @@
 </p:sld>
 </file>
 
-<file path=ppt/slides/slide3.xml><?xml version="1.0" encoding="utf-8"?>
+<file path=ppt/slides/slide4.xml><?xml version="1.0" encoding="utf-8"?>
 <p:sld xmlns:a="http://schemas.openxmlformats.org/drawingml/2006/main" xmlns:r="http://schemas.openxmlformats.org/officeDocument/2006/relationships" xmlns:p="http://schemas.openxmlformats.org/presentationml/2006/main">
   <p:cSld>
     <p:spTree>
@@ -6100,7 +6649,7 @@
 </p:sld>
 </file>
 
-<file path=ppt/slides/slide4.xml><?xml version="1.0" encoding="utf-8"?>
+<file path=ppt/slides/slide5.xml><?xml version="1.0" encoding="utf-8"?>
 <p:sld xmlns:a="http://schemas.openxmlformats.org/drawingml/2006/main" xmlns:r="http://schemas.openxmlformats.org/officeDocument/2006/relationships" xmlns:p="http://schemas.openxmlformats.org/presentationml/2006/main">
   <p:cSld>
     <p:bg>
@@ -6598,7 +7147,7 @@
 </p:sld>
 </file>
 
-<file path=ppt/slides/slide5.xml><?xml version="1.0" encoding="utf-8"?>
+<file path=ppt/slides/slide6.xml><?xml version="1.0" encoding="utf-8"?>
 <p:sld xmlns:a="http://schemas.openxmlformats.org/drawingml/2006/main" xmlns:r="http://schemas.openxmlformats.org/officeDocument/2006/relationships" xmlns:p="http://schemas.openxmlformats.org/presentationml/2006/main">
   <p:cSld>
     <p:bg>
@@ -7651,7 +8200,7 @@
 </p:sld>
 </file>
 
-<file path=ppt/slides/slide6.xml><?xml version="1.0" encoding="utf-8"?>
+<file path=ppt/slides/slide7.xml><?xml version="1.0" encoding="utf-8"?>
 <p:sld xmlns:a="http://schemas.openxmlformats.org/drawingml/2006/main" xmlns:r="http://schemas.openxmlformats.org/officeDocument/2006/relationships" xmlns:p="http://schemas.openxmlformats.org/presentationml/2006/main">
   <p:cSld>
     <p:spTree>
@@ -7827,7 +8376,7 @@
 </p:sld>
 </file>
 
-<file path=ppt/slides/slide7.xml><?xml version="1.0" encoding="utf-8"?>
+<file path=ppt/slides/slide8.xml><?xml version="1.0" encoding="utf-8"?>
 <p:sld xmlns:a="http://schemas.openxmlformats.org/drawingml/2006/main" xmlns:r="http://schemas.openxmlformats.org/officeDocument/2006/relationships" xmlns:p="http://schemas.openxmlformats.org/presentationml/2006/main">
   <p:cSld>
     <p:spTree>
@@ -8579,9 +9128,17 @@
 </p:sld>
 </file>
 
-<file path=ppt/slides/slide8.xml><?xml version="1.0" encoding="utf-8"?>
+<file path=ppt/slides/slide9.xml><?xml version="1.0" encoding="utf-8"?>
 <p:sld xmlns:a="http://schemas.openxmlformats.org/drawingml/2006/main" xmlns:r="http://schemas.openxmlformats.org/officeDocument/2006/relationships" xmlns:p="http://schemas.openxmlformats.org/presentationml/2006/main">
   <p:cSld>
+    <p:bg>
+      <p:bgPr>
+        <a:solidFill>
+          <a:srgbClr val="FFFFCC"/>
+        </a:solidFill>
+        <a:effectLst/>
+      </p:bgPr>
+    </p:bg>
     <p:spTree>
       <p:nvGrpSpPr>
         <p:cNvPr id="1" name=""/>
@@ -8596,6 +9153,476 @@
           <a:chExt cx="0" cy="0"/>
         </a:xfrm>
       </p:grpSpPr>
+      <p:sp>
+        <p:nvSpPr>
+          <p:cNvPr id="2" name="Oval 1">
+            <a:extLst>
+              <a:ext uri="{FF2B5EF4-FFF2-40B4-BE49-F238E27FC236}">
+                <a16:creationId xmlns:a16="http://schemas.microsoft.com/office/drawing/2014/main" id="{9DDF7ED2-F3E0-4397-81A1-1041F1922DA5}"/>
+              </a:ext>
+            </a:extLst>
+          </p:cNvPr>
+          <p:cNvSpPr/>
+          <p:nvPr/>
+        </p:nvSpPr>
+        <p:spPr>
+          <a:xfrm>
+            <a:off x="5931408" y="742950"/>
+            <a:ext cx="914400" cy="914400"/>
+          </a:xfrm>
+          <a:prstGeom prst="ellipse">
+            <a:avLst/>
+          </a:prstGeom>
+          <a:noFill/>
+          <a:ln w="28575">
+            <a:prstDash val="sysDash"/>
+          </a:ln>
+        </p:spPr>
+        <p:style>
+          <a:lnRef idx="2">
+            <a:schemeClr val="accent1">
+              <a:shade val="50000"/>
+            </a:schemeClr>
+          </a:lnRef>
+          <a:fillRef idx="1">
+            <a:schemeClr val="accent1"/>
+          </a:fillRef>
+          <a:effectRef idx="0">
+            <a:schemeClr val="accent1"/>
+          </a:effectRef>
+          <a:fontRef idx="minor">
+            <a:schemeClr val="lt1"/>
+          </a:fontRef>
+        </p:style>
+        <p:txBody>
+          <a:bodyPr rtlCol="0" anchor="ctr"/>
+          <a:lstStyle/>
+          <a:p>
+            <a:pPr algn="ctr"/>
+            <a:endParaRPr lang="en-US" dirty="0"/>
+          </a:p>
+        </p:txBody>
+      </p:sp>
+      <p:sp>
+        <p:nvSpPr>
+          <p:cNvPr id="3" name="Oval 2">
+            <a:extLst>
+              <a:ext uri="{FF2B5EF4-FFF2-40B4-BE49-F238E27FC236}">
+                <a16:creationId xmlns:a16="http://schemas.microsoft.com/office/drawing/2014/main" id="{C3537B2B-D37D-4AD0-9663-2890A2087DF7}"/>
+              </a:ext>
+            </a:extLst>
+          </p:cNvPr>
+          <p:cNvSpPr/>
+          <p:nvPr/>
+        </p:nvSpPr>
+        <p:spPr>
+          <a:xfrm>
+            <a:off x="2286000" y="285750"/>
+            <a:ext cx="4572000" cy="4572000"/>
+          </a:xfrm>
+          <a:prstGeom prst="ellipse">
+            <a:avLst/>
+          </a:prstGeom>
+          <a:noFill/>
+          <a:ln w="38100">
+            <a:solidFill>
+              <a:srgbClr val="0070C0"/>
+            </a:solidFill>
+            <a:prstDash val="solid"/>
+          </a:ln>
+        </p:spPr>
+        <p:style>
+          <a:lnRef idx="2">
+            <a:schemeClr val="accent1">
+              <a:shade val="50000"/>
+            </a:schemeClr>
+          </a:lnRef>
+          <a:fillRef idx="1">
+            <a:schemeClr val="accent1"/>
+          </a:fillRef>
+          <a:effectRef idx="0">
+            <a:schemeClr val="accent1"/>
+          </a:effectRef>
+          <a:fontRef idx="minor">
+            <a:schemeClr val="lt1"/>
+          </a:fontRef>
+        </p:style>
+        <p:txBody>
+          <a:bodyPr rtlCol="0" anchor="ctr"/>
+          <a:lstStyle/>
+          <a:p>
+            <a:pPr algn="ctr"/>
+            <a:endParaRPr lang="en-US"/>
+          </a:p>
+        </p:txBody>
+      </p:sp>
+      <p:sp>
+        <p:nvSpPr>
+          <p:cNvPr id="4" name="Oval 3">
+            <a:extLst>
+              <a:ext uri="{FF2B5EF4-FFF2-40B4-BE49-F238E27FC236}">
+                <a16:creationId xmlns:a16="http://schemas.microsoft.com/office/drawing/2014/main" id="{7C8E6C4A-79CC-43EF-AC2E-BB35F515117C}"/>
+              </a:ext>
+            </a:extLst>
+          </p:cNvPr>
+          <p:cNvSpPr/>
+          <p:nvPr/>
+        </p:nvSpPr>
+        <p:spPr>
+          <a:xfrm>
+            <a:off x="6324600" y="1123950"/>
+            <a:ext cx="128016" cy="128016"/>
+          </a:xfrm>
+          <a:prstGeom prst="ellipse">
+            <a:avLst/>
+          </a:prstGeom>
+          <a:solidFill>
+            <a:schemeClr val="tx1">
+              <a:lumMod val="50000"/>
+              <a:lumOff val="50000"/>
+            </a:schemeClr>
+          </a:solidFill>
+          <a:ln>
+            <a:solidFill>
+              <a:schemeClr val="tx1"/>
+            </a:solidFill>
+          </a:ln>
+        </p:spPr>
+        <p:style>
+          <a:lnRef idx="2">
+            <a:schemeClr val="accent1">
+              <a:shade val="50000"/>
+            </a:schemeClr>
+          </a:lnRef>
+          <a:fillRef idx="1">
+            <a:schemeClr val="accent1"/>
+          </a:fillRef>
+          <a:effectRef idx="0">
+            <a:schemeClr val="accent1"/>
+          </a:effectRef>
+          <a:fontRef idx="minor">
+            <a:schemeClr val="lt1"/>
+          </a:fontRef>
+        </p:style>
+        <p:txBody>
+          <a:bodyPr rtlCol="0" anchor="ctr"/>
+          <a:lstStyle/>
+          <a:p>
+            <a:pPr algn="ctr"/>
+            <a:endParaRPr lang="en-US"/>
+          </a:p>
+        </p:txBody>
+      </p:sp>
+      <p:sp>
+        <p:nvSpPr>
+          <p:cNvPr id="5" name="Oval 4">
+            <a:extLst>
+              <a:ext uri="{FF2B5EF4-FFF2-40B4-BE49-F238E27FC236}">
+                <a16:creationId xmlns:a16="http://schemas.microsoft.com/office/drawing/2014/main" id="{12BB62AC-417A-4FCC-B36D-7EB39E40BAF9}"/>
+              </a:ext>
+            </a:extLst>
+          </p:cNvPr>
+          <p:cNvSpPr/>
+          <p:nvPr/>
+        </p:nvSpPr>
+        <p:spPr>
+          <a:xfrm>
+            <a:off x="3924300" y="2387084"/>
+            <a:ext cx="365760" cy="365760"/>
+          </a:xfrm>
+          <a:prstGeom prst="ellipse">
+            <a:avLst/>
+          </a:prstGeom>
+          <a:solidFill>
+            <a:schemeClr val="accent1">
+              <a:lumMod val="60000"/>
+              <a:lumOff val="40000"/>
+            </a:schemeClr>
+          </a:solidFill>
+          <a:ln w="38100">
+            <a:solidFill>
+              <a:schemeClr val="accent1">
+                <a:lumMod val="75000"/>
+              </a:schemeClr>
+            </a:solidFill>
+          </a:ln>
+        </p:spPr>
+        <p:style>
+          <a:lnRef idx="2">
+            <a:schemeClr val="accent1">
+              <a:shade val="50000"/>
+            </a:schemeClr>
+          </a:lnRef>
+          <a:fillRef idx="1">
+            <a:schemeClr val="accent1"/>
+          </a:fillRef>
+          <a:effectRef idx="0">
+            <a:schemeClr val="accent1"/>
+          </a:effectRef>
+          <a:fontRef idx="minor">
+            <a:schemeClr val="lt1"/>
+          </a:fontRef>
+        </p:style>
+        <p:txBody>
+          <a:bodyPr rtlCol="0" anchor="ctr"/>
+          <a:lstStyle/>
+          <a:p>
+            <a:pPr algn="ctr"/>
+            <a:endParaRPr lang="en-US"/>
+          </a:p>
+        </p:txBody>
+      </p:sp>
+      <p:sp>
+        <p:nvSpPr>
+          <p:cNvPr id="6" name="TextBox 5">
+            <a:extLst>
+              <a:ext uri="{FF2B5EF4-FFF2-40B4-BE49-F238E27FC236}">
+                <a16:creationId xmlns:a16="http://schemas.microsoft.com/office/drawing/2014/main" id="{DFCCE8F9-D49A-4AE6-A2EC-25DDAD9CB2F1}"/>
+              </a:ext>
+            </a:extLst>
+          </p:cNvPr>
+          <p:cNvSpPr txBox="1"/>
+          <p:nvPr/>
+        </p:nvSpPr>
+        <p:spPr>
+          <a:xfrm>
+            <a:off x="3556304" y="2746199"/>
+            <a:ext cx="868680" cy="461665"/>
+          </a:xfrm>
+          <a:prstGeom prst="rect">
+            <a:avLst/>
+          </a:prstGeom>
+          <a:noFill/>
+        </p:spPr>
+        <p:txBody>
+          <a:bodyPr wrap="square" rtlCol="0">
+            <a:spAutoFit/>
+          </a:bodyPr>
+          <a:lstStyle/>
+          <a:p>
+            <a:r>
+              <a:rPr lang="en-US" sz="2400" dirty="0"/>
+              <a:t>Earth</a:t>
+            </a:r>
+          </a:p>
+        </p:txBody>
+      </p:sp>
+      <p:sp>
+        <p:nvSpPr>
+          <p:cNvPr id="7" name="TextBox 6">
+            <a:extLst>
+              <a:ext uri="{FF2B5EF4-FFF2-40B4-BE49-F238E27FC236}">
+                <a16:creationId xmlns:a16="http://schemas.microsoft.com/office/drawing/2014/main" id="{A6BB6AE8-2ED8-4385-9842-278CBBD3E700}"/>
+              </a:ext>
+            </a:extLst>
+          </p:cNvPr>
+          <p:cNvSpPr txBox="1"/>
+          <p:nvPr/>
+        </p:nvSpPr>
+        <p:spPr>
+          <a:xfrm>
+            <a:off x="5859761" y="284071"/>
+            <a:ext cx="1185709" cy="461665"/>
+          </a:xfrm>
+          <a:prstGeom prst="rect">
+            <a:avLst/>
+          </a:prstGeom>
+          <a:noFill/>
+        </p:spPr>
+        <p:txBody>
+          <a:bodyPr wrap="square" rtlCol="0">
+            <a:spAutoFit/>
+          </a:bodyPr>
+          <a:lstStyle/>
+          <a:p>
+            <a:r>
+              <a:rPr lang="en-US" sz="2400" dirty="0"/>
+              <a:t>epicycle</a:t>
+            </a:r>
+          </a:p>
+        </p:txBody>
+      </p:sp>
+      <p:sp>
+        <p:nvSpPr>
+          <p:cNvPr id="8" name="Oval 7">
+            <a:extLst>
+              <a:ext uri="{FF2B5EF4-FFF2-40B4-BE49-F238E27FC236}">
+                <a16:creationId xmlns:a16="http://schemas.microsoft.com/office/drawing/2014/main" id="{2800E665-0CE3-4B2C-B7E3-3BA91364F0EC}"/>
+              </a:ext>
+            </a:extLst>
+          </p:cNvPr>
+          <p:cNvSpPr/>
+          <p:nvPr/>
+        </p:nvSpPr>
+        <p:spPr>
+          <a:xfrm>
+            <a:off x="6592186" y="1251966"/>
+            <a:ext cx="365760" cy="365760"/>
+          </a:xfrm>
+          <a:prstGeom prst="ellipse">
+            <a:avLst/>
+          </a:prstGeom>
+          <a:solidFill>
+            <a:schemeClr val="accent6">
+              <a:lumMod val="75000"/>
+            </a:schemeClr>
+          </a:solidFill>
+          <a:ln w="38100">
+            <a:solidFill>
+              <a:srgbClr val="C00000"/>
+            </a:solidFill>
+          </a:ln>
+        </p:spPr>
+        <p:style>
+          <a:lnRef idx="2">
+            <a:schemeClr val="accent1">
+              <a:shade val="50000"/>
+            </a:schemeClr>
+          </a:lnRef>
+          <a:fillRef idx="1">
+            <a:schemeClr val="accent1"/>
+          </a:fillRef>
+          <a:effectRef idx="0">
+            <a:schemeClr val="accent1"/>
+          </a:effectRef>
+          <a:fontRef idx="minor">
+            <a:schemeClr val="lt1"/>
+          </a:fontRef>
+        </p:style>
+        <p:txBody>
+          <a:bodyPr rtlCol="0" anchor="ctr"/>
+          <a:lstStyle/>
+          <a:p>
+            <a:pPr algn="ctr"/>
+            <a:endParaRPr lang="en-US"/>
+          </a:p>
+        </p:txBody>
+      </p:sp>
+      <p:sp>
+        <p:nvSpPr>
+          <p:cNvPr id="9" name="TextBox 8">
+            <a:extLst>
+              <a:ext uri="{FF2B5EF4-FFF2-40B4-BE49-F238E27FC236}">
+                <a16:creationId xmlns:a16="http://schemas.microsoft.com/office/drawing/2014/main" id="{A0FF3BA0-13AE-4A17-A755-95965FCB4612}"/>
+              </a:ext>
+            </a:extLst>
+          </p:cNvPr>
+          <p:cNvSpPr txBox="1"/>
+          <p:nvPr/>
+        </p:nvSpPr>
+        <p:spPr>
+          <a:xfrm>
+            <a:off x="6858000" y="1444042"/>
+            <a:ext cx="1004778" cy="461665"/>
+          </a:xfrm>
+          <a:prstGeom prst="rect">
+            <a:avLst/>
+          </a:prstGeom>
+          <a:noFill/>
+        </p:spPr>
+        <p:txBody>
+          <a:bodyPr wrap="square" rtlCol="0">
+            <a:spAutoFit/>
+          </a:bodyPr>
+          <a:lstStyle/>
+          <a:p>
+            <a:r>
+              <a:rPr lang="en-US" sz="2400" dirty="0"/>
+              <a:t>planet</a:t>
+            </a:r>
+          </a:p>
+        </p:txBody>
+      </p:sp>
+      <p:sp>
+        <p:nvSpPr>
+          <p:cNvPr id="10" name="TextBox 9">
+            <a:extLst>
+              <a:ext uri="{FF2B5EF4-FFF2-40B4-BE49-F238E27FC236}">
+                <a16:creationId xmlns:a16="http://schemas.microsoft.com/office/drawing/2014/main" id="{D323A7C8-5D53-46E3-8D17-5B1ACFBDBC36}"/>
+              </a:ext>
+            </a:extLst>
+          </p:cNvPr>
+          <p:cNvSpPr txBox="1"/>
+          <p:nvPr/>
+        </p:nvSpPr>
+        <p:spPr>
+          <a:xfrm>
+            <a:off x="4269892" y="2339131"/>
+            <a:ext cx="604216" cy="461665"/>
+          </a:xfrm>
+          <a:prstGeom prst="rect">
+            <a:avLst/>
+          </a:prstGeom>
+          <a:noFill/>
+        </p:spPr>
+        <p:txBody>
+          <a:bodyPr wrap="square" rtlCol="0">
+            <a:spAutoFit/>
+          </a:bodyPr>
+          <a:lstStyle/>
+          <a:p>
+            <a:pPr algn="ctr"/>
+            <a:r>
+              <a:rPr lang="en-US" sz="2400" dirty="0"/>
+              <a:t>X</a:t>
+            </a:r>
+          </a:p>
+        </p:txBody>
+      </p:sp>
+      <p:sp>
+        <p:nvSpPr>
+          <p:cNvPr id="11" name="Oval 10">
+            <a:extLst>
+              <a:ext uri="{FF2B5EF4-FFF2-40B4-BE49-F238E27FC236}">
+                <a16:creationId xmlns:a16="http://schemas.microsoft.com/office/drawing/2014/main" id="{7800A633-1BB8-4D76-9002-6860C077A386}"/>
+              </a:ext>
+            </a:extLst>
+          </p:cNvPr>
+          <p:cNvSpPr/>
+          <p:nvPr/>
+        </p:nvSpPr>
+        <p:spPr>
+          <a:xfrm>
+            <a:off x="4876618" y="2500458"/>
+            <a:ext cx="131346" cy="126497"/>
+          </a:xfrm>
+          <a:prstGeom prst="ellipse">
+            <a:avLst/>
+          </a:prstGeom>
+          <a:solidFill>
+            <a:schemeClr val="tx1"/>
+          </a:solidFill>
+          <a:ln>
+            <a:solidFill>
+              <a:schemeClr val="tx1"/>
+            </a:solidFill>
+          </a:ln>
+        </p:spPr>
+        <p:style>
+          <a:lnRef idx="2">
+            <a:schemeClr val="accent1">
+              <a:shade val="50000"/>
+            </a:schemeClr>
+          </a:lnRef>
+          <a:fillRef idx="1">
+            <a:schemeClr val="accent1"/>
+          </a:fillRef>
+          <a:effectRef idx="0">
+            <a:schemeClr val="accent1"/>
+          </a:effectRef>
+          <a:fontRef idx="minor">
+            <a:schemeClr val="lt1"/>
+          </a:fontRef>
+        </p:style>
+        <p:txBody>
+          <a:bodyPr rtlCol="0" anchor="ctr"/>
+          <a:lstStyle/>
+          <a:p>
+            <a:pPr algn="ctr"/>
+            <a:endParaRPr lang="en-US"/>
+          </a:p>
+        </p:txBody>
+      </p:sp>
     </p:spTree>
     <p:extLst>
       <p:ext uri="{BB962C8B-B14F-4D97-AF65-F5344CB8AC3E}">
